--- a/InfoPath/Samples/EmployeeRegistration.MVC/Architecture.pptx
+++ b/InfoPath/Samples/EmployeeRegistration.MVC/Architecture.pptx
@@ -243,7 +243,7 @@
           <a:p>
             <a:fld id="{07D99B2A-2F25-4AF3-B159-B5658BB90796}" type="datetimeFigureOut">
               <a:rPr lang="nl-BE" smtClean="0"/>
-              <a:t>9/09/2015</a:t>
+              <a:t>10/09/2015</a:t>
             </a:fld>
             <a:endParaRPr lang="nl-BE"/>
           </a:p>
@@ -413,7 +413,7 @@
           <a:p>
             <a:fld id="{07D99B2A-2F25-4AF3-B159-B5658BB90796}" type="datetimeFigureOut">
               <a:rPr lang="nl-BE" smtClean="0"/>
-              <a:t>9/09/2015</a:t>
+              <a:t>10/09/2015</a:t>
             </a:fld>
             <a:endParaRPr lang="nl-BE"/>
           </a:p>
@@ -593,7 +593,7 @@
           <a:p>
             <a:fld id="{07D99B2A-2F25-4AF3-B159-B5658BB90796}" type="datetimeFigureOut">
               <a:rPr lang="nl-BE" smtClean="0"/>
-              <a:t>9/09/2015</a:t>
+              <a:t>10/09/2015</a:t>
             </a:fld>
             <a:endParaRPr lang="nl-BE"/>
           </a:p>
@@ -763,7 +763,7 @@
           <a:p>
             <a:fld id="{07D99B2A-2F25-4AF3-B159-B5658BB90796}" type="datetimeFigureOut">
               <a:rPr lang="nl-BE" smtClean="0"/>
-              <a:t>9/09/2015</a:t>
+              <a:t>10/09/2015</a:t>
             </a:fld>
             <a:endParaRPr lang="nl-BE"/>
           </a:p>
@@ -1009,7 +1009,7 @@
           <a:p>
             <a:fld id="{07D99B2A-2F25-4AF3-B159-B5658BB90796}" type="datetimeFigureOut">
               <a:rPr lang="nl-BE" smtClean="0"/>
-              <a:t>9/09/2015</a:t>
+              <a:t>10/09/2015</a:t>
             </a:fld>
             <a:endParaRPr lang="nl-BE"/>
           </a:p>
@@ -1241,7 +1241,7 @@
           <a:p>
             <a:fld id="{07D99B2A-2F25-4AF3-B159-B5658BB90796}" type="datetimeFigureOut">
               <a:rPr lang="nl-BE" smtClean="0"/>
-              <a:t>9/09/2015</a:t>
+              <a:t>10/09/2015</a:t>
             </a:fld>
             <a:endParaRPr lang="nl-BE"/>
           </a:p>
@@ -1608,7 +1608,7 @@
           <a:p>
             <a:fld id="{07D99B2A-2F25-4AF3-B159-B5658BB90796}" type="datetimeFigureOut">
               <a:rPr lang="nl-BE" smtClean="0"/>
-              <a:t>9/09/2015</a:t>
+              <a:t>10/09/2015</a:t>
             </a:fld>
             <a:endParaRPr lang="nl-BE"/>
           </a:p>
@@ -1726,7 +1726,7 @@
           <a:p>
             <a:fld id="{07D99B2A-2F25-4AF3-B159-B5658BB90796}" type="datetimeFigureOut">
               <a:rPr lang="nl-BE" smtClean="0"/>
-              <a:t>9/09/2015</a:t>
+              <a:t>10/09/2015</a:t>
             </a:fld>
             <a:endParaRPr lang="nl-BE"/>
           </a:p>
@@ -1821,7 +1821,7 @@
           <a:p>
             <a:fld id="{07D99B2A-2F25-4AF3-B159-B5658BB90796}" type="datetimeFigureOut">
               <a:rPr lang="nl-BE" smtClean="0"/>
-              <a:t>9/09/2015</a:t>
+              <a:t>10/09/2015</a:t>
             </a:fld>
             <a:endParaRPr lang="nl-BE"/>
           </a:p>
@@ -2098,7 +2098,7 @@
           <a:p>
             <a:fld id="{07D99B2A-2F25-4AF3-B159-B5658BB90796}" type="datetimeFigureOut">
               <a:rPr lang="nl-BE" smtClean="0"/>
-              <a:t>9/09/2015</a:t>
+              <a:t>10/09/2015</a:t>
             </a:fld>
             <a:endParaRPr lang="nl-BE"/>
           </a:p>
@@ -2351,7 +2351,7 @@
           <a:p>
             <a:fld id="{07D99B2A-2F25-4AF3-B159-B5658BB90796}" type="datetimeFigureOut">
               <a:rPr lang="nl-BE" smtClean="0"/>
-              <a:t>9/09/2015</a:t>
+              <a:t>10/09/2015</a:t>
             </a:fld>
             <a:endParaRPr lang="nl-BE"/>
           </a:p>
@@ -2564,7 +2564,7 @@
           <a:p>
             <a:fld id="{07D99B2A-2F25-4AF3-B159-B5658BB90796}" type="datetimeFigureOut">
               <a:rPr lang="nl-BE" smtClean="0"/>
-              <a:t>9/09/2015</a:t>
+              <a:t>10/09/2015</a:t>
             </a:fld>
             <a:endParaRPr lang="nl-BE"/>
           </a:p>
@@ -3022,7 +3022,7 @@
         </p:nvSpPr>
         <p:spPr>
           <a:xfrm>
-            <a:off x="3966518" y="438651"/>
+            <a:off x="3215810" y="438651"/>
             <a:ext cx="4897395" cy="1970916"/>
           </a:xfrm>
           <a:prstGeom prst="rect">
@@ -3067,7 +3067,7 @@
         </p:nvSpPr>
         <p:spPr>
           <a:xfrm>
-            <a:off x="3966519" y="440297"/>
+            <a:off x="3215811" y="440297"/>
             <a:ext cx="4897394" cy="502508"/>
           </a:xfrm>
           <a:prstGeom prst="rect">
@@ -3097,7 +3097,11 @@
             <a:pPr algn="ctr"/>
             <a:r>
               <a:rPr lang="en-US" dirty="0" smtClean="0"/>
-              <a:t>Employee Registration provider hosted app</a:t>
+              <a:t>Employee Registration provider hosted </a:t>
+            </a:r>
+            <a:r>
+              <a:rPr lang="en-US" dirty="0" smtClean="0"/>
+              <a:t>MVC app</a:t>
             </a:r>
             <a:endParaRPr lang="nl-BE" dirty="0"/>
           </a:p>
@@ -3974,8 +3978,8 @@
         </p:nvCxnSpPr>
         <p:spPr>
           <a:xfrm flipH="1">
-            <a:off x="2125360" y="1598354"/>
-            <a:ext cx="2075938" cy="1264294"/>
+            <a:off x="2125360" y="1663217"/>
+            <a:ext cx="1325230" cy="1199431"/>
           </a:xfrm>
           <a:prstGeom prst="straightConnector1">
             <a:avLst/>
@@ -4053,7 +4057,7 @@
         </p:nvGrpSpPr>
         <p:grpSpPr>
           <a:xfrm>
-            <a:off x="8603064" y="221985"/>
+            <a:off x="7852356" y="221985"/>
             <a:ext cx="514401" cy="514401"/>
             <a:chOff x="3475074" y="2461282"/>
             <a:chExt cx="514401" cy="514401"/>
@@ -4520,8 +4524,8 @@
         </p:nvSpPr>
         <p:spPr>
           <a:xfrm>
-            <a:off x="4201298" y="1079157"/>
-            <a:ext cx="4234248" cy="1038394"/>
+            <a:off x="3450590" y="1079157"/>
+            <a:ext cx="2013235" cy="1168120"/>
           </a:xfrm>
           <a:prstGeom prst="rect">
             <a:avLst/>
@@ -4550,7 +4554,7 @@
             <a:pPr algn="ctr"/>
             <a:r>
               <a:rPr lang="en-US" dirty="0" smtClean="0"/>
-              <a:t>Default.aspx</a:t>
+              <a:t>Employee Controller</a:t>
             </a:r>
             <a:endParaRPr lang="nl-BE" dirty="0"/>
           </a:p>
@@ -4559,14 +4563,12 @@
       <p:cxnSp>
         <p:nvCxnSpPr>
           <p:cNvPr id="57" name="Straight Arrow Connector 56"/>
-          <p:cNvCxnSpPr>
-            <a:stCxn id="60" idx="0"/>
-          </p:cNvCxnSpPr>
+          <p:cNvCxnSpPr/>
           <p:nvPr/>
         </p:nvCxnSpPr>
         <p:spPr>
           <a:xfrm flipV="1">
-            <a:off x="5386268" y="2409567"/>
+            <a:off x="5487867" y="2409567"/>
             <a:ext cx="0" cy="745096"/>
           </a:xfrm>
           <a:prstGeom prst="straightConnector1">
@@ -4594,6 +4596,50 @@
           </a:fontRef>
         </p:style>
       </p:cxnSp>
+      <p:sp>
+        <p:nvSpPr>
+          <p:cNvPr id="44" name="Rectangle 43"/>
+          <p:cNvSpPr/>
+          <p:nvPr/>
+        </p:nvSpPr>
+        <p:spPr>
+          <a:xfrm>
+            <a:off x="5938935" y="1079157"/>
+            <a:ext cx="2013235" cy="1168120"/>
+          </a:xfrm>
+          <a:prstGeom prst="rect">
+            <a:avLst/>
+          </a:prstGeom>
+        </p:spPr>
+        <p:style>
+          <a:lnRef idx="2">
+            <a:schemeClr val="accent3">
+              <a:shade val="50000"/>
+            </a:schemeClr>
+          </a:lnRef>
+          <a:fillRef idx="1">
+            <a:schemeClr val="accent3"/>
+          </a:fillRef>
+          <a:effectRef idx="0">
+            <a:schemeClr val="accent3"/>
+          </a:effectRef>
+          <a:fontRef idx="minor">
+            <a:schemeClr val="lt1"/>
+          </a:fontRef>
+        </p:style>
+        <p:txBody>
+          <a:bodyPr rtlCol="0" anchor="ctr"/>
+          <a:lstStyle/>
+          <a:p>
+            <a:pPr algn="ctr"/>
+            <a:r>
+              <a:rPr lang="en-US" dirty="0" smtClean="0"/>
+              <a:t>Employee View</a:t>
+            </a:r>
+            <a:endParaRPr lang="nl-BE" dirty="0"/>
+          </a:p>
+        </p:txBody>
+      </p:sp>
     </p:spTree>
     <p:extLst>
       <p:ext uri="{BB962C8B-B14F-4D97-AF65-F5344CB8AC3E}">
